--- a/Nuclear_Fuel_Performance/NE533_Spring2024/MOOSE Project/MOOSE Project.pptx
+++ b/Nuclear_Fuel_Performance/NE533_Spring2024/MOOSE Project/MOOSE Project.pptx
@@ -7,8 +7,11 @@
   <p:sldIdLst>
     <p:sldId id="546" r:id="rId2"/>
     <p:sldId id="278" r:id="rId3"/>
-    <p:sldId id="279" r:id="rId4"/>
-    <p:sldId id="547" r:id="rId5"/>
+    <p:sldId id="549" r:id="rId4"/>
+    <p:sldId id="279" r:id="rId5"/>
+    <p:sldId id="550" r:id="rId6"/>
+    <p:sldId id="548" r:id="rId7"/>
+    <p:sldId id="551" r:id="rId8"/>
   </p:sldIdLst>
   <p:sldSz cx="12192000" cy="6858000"/>
   <p:notesSz cx="6858000" cy="9144000"/>
@@ -303,7 +306,7 @@
             </a:pPr>
             <a:fld id="{D6F3A803-A045-354B-887A-01433CE46FC2}" type="datetime1">
               <a:rPr lang="en-US" smtClean="0"/>
-              <a:t>1/16/24</a:t>
+              <a:t>1/31/24</a:t>
             </a:fld>
             <a:endParaRPr lang="en-US"/>
           </a:p>
@@ -496,7 +499,7 @@
             </a:pPr>
             <a:fld id="{A8B33C1D-C2E2-1049-AA3F-CD6E91052752}" type="datetime1">
               <a:rPr lang="en-US" smtClean="0"/>
-              <a:t>1/16/24</a:t>
+              <a:t>1/31/24</a:t>
             </a:fld>
             <a:endParaRPr lang="en-US"/>
           </a:p>
@@ -698,7 +701,7 @@
             </a:pPr>
             <a:fld id="{2791AD68-B60C-4542-BDDD-2074DE6DE828}" type="datetime1">
               <a:rPr lang="en-US" smtClean="0"/>
-              <a:t>1/16/24</a:t>
+              <a:t>1/31/24</a:t>
             </a:fld>
             <a:endParaRPr lang="en-US"/>
           </a:p>
@@ -897,7 +900,7 @@
             </a:pPr>
             <a:fld id="{C5BD04BF-9DC2-6341-92B2-BD109A2EF3B1}" type="datetime1">
               <a:rPr lang="en-US" smtClean="0"/>
-              <a:t>1/16/24</a:t>
+              <a:t>1/31/24</a:t>
             </a:fld>
             <a:endParaRPr lang="en-US"/>
           </a:p>
@@ -1167,7 +1170,7 @@
             </a:pPr>
             <a:fld id="{FB0FFBC7-3028-644D-986B-D9855CB74B38}" type="datetime1">
               <a:rPr lang="en-US" smtClean="0"/>
-              <a:t>1/16/24</a:t>
+              <a:t>1/31/24</a:t>
             </a:fld>
             <a:endParaRPr lang="en-US"/>
           </a:p>
@@ -1478,7 +1481,7 @@
             </a:pPr>
             <a:fld id="{2C3B8AE4-01F5-CC42-9C62-61BC6528368B}" type="datetime1">
               <a:rPr lang="en-US" smtClean="0"/>
-              <a:t>1/16/24</a:t>
+              <a:t>1/31/24</a:t>
             </a:fld>
             <a:endParaRPr lang="en-US"/>
           </a:p>
@@ -1921,7 +1924,7 @@
             </a:pPr>
             <a:fld id="{77E49314-4A78-2444-9569-44EB70168344}" type="datetime1">
               <a:rPr lang="en-US" smtClean="0"/>
-              <a:t>1/16/24</a:t>
+              <a:t>1/31/24</a:t>
             </a:fld>
             <a:endParaRPr lang="en-US"/>
           </a:p>
@@ -2062,7 +2065,7 @@
             </a:pPr>
             <a:fld id="{5BC22837-4683-B242-B000-BCEE30621787}" type="datetime1">
               <a:rPr lang="en-US" smtClean="0"/>
-              <a:t>1/16/24</a:t>
+              <a:t>1/31/24</a:t>
             </a:fld>
             <a:endParaRPr lang="en-US"/>
           </a:p>
@@ -2181,7 +2184,7 @@
             </a:pPr>
             <a:fld id="{DCDAE926-7EF1-0B40-B57E-417D188A609C}" type="datetime1">
               <a:rPr lang="en-US" smtClean="0"/>
-              <a:t>1/16/24</a:t>
+              <a:t>1/31/24</a:t>
             </a:fld>
             <a:endParaRPr lang="en-US"/>
           </a:p>
@@ -2480,7 +2483,7 @@
             </a:pPr>
             <a:fld id="{518D107B-B9C7-5B41-A168-55258AB95F52}" type="datetime1">
               <a:rPr lang="en-US" smtClean="0"/>
-              <a:t>1/16/24</a:t>
+              <a:t>1/31/24</a:t>
             </a:fld>
             <a:endParaRPr lang="en-US"/>
           </a:p>
@@ -2764,7 +2767,7 @@
             </a:pPr>
             <a:fld id="{3AD92D36-EE82-3142-B011-9831FB5E702F}" type="datetime1">
               <a:rPr lang="en-US" smtClean="0"/>
-              <a:t>1/16/24</a:t>
+              <a:t>1/31/24</a:t>
             </a:fld>
             <a:endParaRPr lang="en-US"/>
           </a:p>
@@ -2905,7 +2908,7 @@
               </a14:hiddenLine>
             </a:ext>
             <a:ext uri="{FAA26D3D-D897-4be2-8F04-BA451C77F1D7}">
-              <ma14:placeholderFlag xmlns:ma14="http://schemas.microsoft.com/office/mac/drawingml/2011/main" xmlns="" val="1"/>
+              <ma14:placeholderFlag xmlns="" xmlns:ma14="http://schemas.microsoft.com/office/mac/drawingml/2011/main" val="1"/>
             </a:ext>
           </a:extLst>
         </p:spPr>
@@ -2973,7 +2976,7 @@
               </a14:hiddenLine>
             </a:ext>
             <a:ext uri="{FAA26D3D-D897-4be2-8F04-BA451C77F1D7}">
-              <ma14:placeholderFlag xmlns:ma14="http://schemas.microsoft.com/office/mac/drawingml/2011/main" xmlns="" val="1"/>
+              <ma14:placeholderFlag xmlns="" xmlns:ma14="http://schemas.microsoft.com/office/mac/drawingml/2011/main" val="1"/>
             </a:ext>
           </a:extLst>
         </p:spPr>
@@ -3069,7 +3072,7 @@
             </a:pPr>
             <a:fld id="{3EE08B4B-7256-494F-A90D-3891BD685F4A}" type="datetime1">
               <a:rPr lang="en-US" smtClean="0"/>
-              <a:t>1/16/24</a:t>
+              <a:t>1/31/24</a:t>
             </a:fld>
             <a:endParaRPr lang="en-US" dirty="0"/>
           </a:p>
@@ -4376,7 +4379,7 @@
         <p:spPr>
           <a:xfrm>
             <a:off x="667872" y="1968501"/>
-            <a:ext cx="5257797" cy="3970318"/>
+            <a:ext cx="5428128" cy="3693319"/>
           </a:xfrm>
           <a:prstGeom prst="rect">
             <a:avLst/>
@@ -4535,27 +4538,17 @@
                 <a:ea typeface="+mn-ea"/>
                 <a:cs typeface="+mn-cs"/>
               </a:rPr>
-              <a:t>Can assume constant k</a:t>
-            </a:r>
-          </a:p>
-          <a:p>
-            <a:pPr marL="285750" marR="0" lvl="0" indent="-285750" algn="l" defTabSz="914400" rtl="0" eaLnBrk="1" fontAlgn="auto" latinLnBrk="0" hangingPunct="1">
-              <a:lnSpc>
-                <a:spcPct val="100000"/>
-              </a:lnSpc>
-              <a:spcBef>
-                <a:spcPts val="0"/>
-              </a:spcBef>
-              <a:spcAft>
-                <a:spcPts val="0"/>
-              </a:spcAft>
-              <a:buClrTx/>
-              <a:buSzTx/>
-              <a:buFont typeface="Arial" panose="020B0604020202020204" pitchFamily="34" charset="0"/>
-              <a:buChar char="•"/>
-              <a:tabLst/>
-              <a:defRPr/>
-            </a:pPr>
+              <a:t>Outer cladding temperature: </a:t>
+            </a:r>
+            <a:r>
+              <a:rPr lang="en-US" dirty="0">
+                <a:solidFill>
+                  <a:prstClr val="black"/>
+                </a:solidFill>
+                <a:latin typeface="Calibri"/>
+              </a:rPr>
+              <a:t>55</a:t>
+            </a:r>
             <a:r>
               <a:rPr kumimoji="0" lang="en-US" sz="1800" b="0" i="0" u="none" strike="noStrike" kern="1200" cap="none" spc="0" normalizeH="0" baseline="0" noProof="0" dirty="0">
                 <a:ln>
@@ -4571,43 +4564,7 @@
                 <a:ea typeface="+mn-ea"/>
                 <a:cs typeface="+mn-cs"/>
               </a:rPr>
-              <a:t>Outer cladding temperature: 600 K</a:t>
-            </a:r>
-          </a:p>
-          <a:p>
-            <a:pPr marL="285750" marR="0" lvl="0" indent="-285750" algn="l" defTabSz="914400" rtl="0" eaLnBrk="1" fontAlgn="auto" latinLnBrk="0" hangingPunct="1">
-              <a:lnSpc>
-                <a:spcPct val="100000"/>
-              </a:lnSpc>
-              <a:spcBef>
-                <a:spcPts val="0"/>
-              </a:spcBef>
-              <a:spcAft>
-                <a:spcPts val="0"/>
-              </a:spcAft>
-              <a:buClrTx/>
-              <a:buSzTx/>
-              <a:buFont typeface="Arial" panose="020B0604020202020204" pitchFamily="34" charset="0"/>
-              <a:buChar char="•"/>
-              <a:tabLst/>
-              <a:defRPr/>
-            </a:pPr>
-            <a:r>
-              <a:rPr kumimoji="0" lang="en-US" sz="1800" b="0" i="0" u="none" strike="noStrike" kern="1200" cap="none" spc="0" normalizeH="0" baseline="0" noProof="0" dirty="0">
-                <a:ln>
-                  <a:noFill/>
-                </a:ln>
-                <a:solidFill>
-                  <a:prstClr val="black"/>
-                </a:solidFill>
-                <a:effectLst/>
-                <a:uLnTx/>
-                <a:uFillTx/>
-                <a:latin typeface="Calibri"/>
-                <a:ea typeface="+mn-ea"/>
-                <a:cs typeface="+mn-cs"/>
-              </a:rPr>
-              <a:t>Mesh: something sufficiently converged</a:t>
+              <a:t>0 K</a:t>
             </a:r>
           </a:p>
           <a:p>
@@ -4792,17 +4749,14 @@
                 <a:ea typeface="+mn-ea"/>
                 <a:cs typeface="+mn-cs"/>
               </a:rPr>
-              <a:t>Transient: LHR = 5</a:t>
-            </a:r>
-            <a:r>
-              <a:rPr lang="en-US" dirty="0">
-                <a:solidFill>
-                  <a:prstClr val="black"/>
-                </a:solidFill>
-                <a:latin typeface="Calibri"/>
-              </a:rPr>
-              <a:t>00*[(t/100)^0.5]*[(1-(t/100))^4] + 150</a:t>
-            </a:r>
+              <a:t>Transient: LHR = 250*EXP(-((B3-20)^2)/10)+150</a:t>
+            </a:r>
+            <a:endParaRPr lang="en-US" dirty="0">
+              <a:solidFill>
+                <a:prstClr val="black"/>
+              </a:solidFill>
+              <a:latin typeface="Calibri"/>
+            </a:endParaRPr>
           </a:p>
           <a:p>
             <a:pPr marL="742950" marR="0" lvl="1" indent="-285750" algn="l" defTabSz="914400" rtl="0" eaLnBrk="1" fontAlgn="auto" latinLnBrk="0" hangingPunct="1">
@@ -4839,6 +4793,36 @@
               </a:rPr>
               <a:t>for up to t=100</a:t>
             </a:r>
+          </a:p>
+          <a:p>
+            <a:pPr marL="285750" indent="-285750">
+              <a:buFont typeface="Arial" panose="020B0604020202020204" pitchFamily="34" charset="0"/>
+              <a:buChar char="•"/>
+              <a:defRPr/>
+            </a:pPr>
+            <a:r>
+              <a:rPr lang="en-US" dirty="0">
+                <a:solidFill>
+                  <a:prstClr val="black"/>
+                </a:solidFill>
+                <a:latin typeface="Calibri"/>
+              </a:rPr>
+              <a:t>Use both a constant k and a temperature-dependent k</a:t>
+            </a:r>
+            <a:endParaRPr kumimoji="0" lang="en-US" b="0" i="0" u="none" strike="noStrike" kern="1200" cap="none" spc="0" normalizeH="0" baseline="0" noProof="0" dirty="0">
+              <a:ln>
+                <a:noFill/>
+              </a:ln>
+              <a:solidFill>
+                <a:prstClr val="black"/>
+              </a:solidFill>
+              <a:effectLst/>
+              <a:uLnTx/>
+              <a:uFillTx/>
+              <a:latin typeface="Calibri"/>
+              <a:ea typeface="+mn-ea"/>
+              <a:cs typeface="+mn-cs"/>
+            </a:endParaRPr>
           </a:p>
         </p:txBody>
       </p:sp>
@@ -5315,7 +5299,13 @@
   <p:cSld>
     <p:spTree>
       <p:nvGrpSpPr>
-        <p:cNvPr id="1" name=""/>
+        <p:cNvPr id="1" name="">
+          <a:extLst>
+            <a:ext uri="{FF2B5EF4-FFF2-40B4-BE49-F238E27FC236}">
+              <a16:creationId xmlns:a16="http://schemas.microsoft.com/office/drawing/2014/main" id="{CB32C97B-AADE-4222-F234-0FEF17AD4D4C}"/>
+            </a:ext>
+          </a:extLst>
+        </p:cNvPr>
         <p:cNvGrpSpPr/>
         <p:nvPr/>
       </p:nvGrpSpPr>
@@ -5332,7 +5322,7 @@
           <p:cNvPr id="2" name="Title 1">
             <a:extLst>
               <a:ext uri="{FF2B5EF4-FFF2-40B4-BE49-F238E27FC236}">
-                <a16:creationId xmlns:a16="http://schemas.microsoft.com/office/drawing/2014/main" id="{E6A26517-7A8C-6D44-8A80-103F9AD20C90}"/>
+                <a16:creationId xmlns:a16="http://schemas.microsoft.com/office/drawing/2014/main" id="{A9817B3E-91B5-9BCE-A970-651089F192AF}"/>
               </a:ext>
             </a:extLst>
           </p:cNvPr>
@@ -5348,11 +5338,53 @@
           <a:bodyPr/>
           <a:lstStyle/>
           <a:p>
-            <a:pPr algn="l"/>
             <a:r>
               <a:rPr lang="en-US" dirty="0"/>
-              <a:t>MOOSE Project Part 2</a:t>
-            </a:r>
+              <a:t>Part 1 Writeup</a:t>
+            </a:r>
+          </a:p>
+        </p:txBody>
+      </p:sp>
+      <p:sp>
+        <p:nvSpPr>
+          <p:cNvPr id="3" name="Content Placeholder 2">
+            <a:extLst>
+              <a:ext uri="{FF2B5EF4-FFF2-40B4-BE49-F238E27FC236}">
+                <a16:creationId xmlns:a16="http://schemas.microsoft.com/office/drawing/2014/main" id="{219F5AF8-AC44-2FA3-7F12-411676E9932C}"/>
+              </a:ext>
+            </a:extLst>
+          </p:cNvPr>
+          <p:cNvSpPr>
+            <a:spLocks noGrp="1"/>
+          </p:cNvSpPr>
+          <p:nvPr>
+            <p:ph idx="1"/>
+          </p:nvPr>
+        </p:nvSpPr>
+        <p:spPr/>
+        <p:txBody>
+          <a:bodyPr/>
+          <a:lstStyle/>
+          <a:p>
+            <a:r>
+              <a:rPr lang="en-US" dirty="0"/>
+              <a:t>Will upload input and output files to Moodle</a:t>
+            </a:r>
+          </a:p>
+          <a:p>
+            <a:r>
+              <a:rPr lang="en-US" dirty="0"/>
+              <a:t>Write up with deliverables from Part 1, choice of materials, mesh, details therein, etc. </a:t>
+            </a:r>
+          </a:p>
+          <a:p>
+            <a:r>
+              <a:rPr lang="en-US" dirty="0"/>
+              <a:t>Part 1 writeup max of 5 pages</a:t>
+            </a:r>
+          </a:p>
+          <a:p>
+            <a:endParaRPr lang="en-US" dirty="0"/>
           </a:p>
         </p:txBody>
       </p:sp>
@@ -5361,7 +5393,7 @@
           <p:cNvPr id="4" name="Slide Number Placeholder 3">
             <a:extLst>
               <a:ext uri="{FF2B5EF4-FFF2-40B4-BE49-F238E27FC236}">
-                <a16:creationId xmlns:a16="http://schemas.microsoft.com/office/drawing/2014/main" id="{8AF4B4B8-A41F-4142-861A-4CEFCF7BBA69}"/>
+                <a16:creationId xmlns:a16="http://schemas.microsoft.com/office/drawing/2014/main" id="{88BF5FAE-AB22-0F19-4F3A-56AD315F8E3D}"/>
               </a:ext>
             </a:extLst>
           </p:cNvPr>
@@ -5429,6 +5461,158 @@
                 <a:defRPr/>
               </a:pPr>
               <a:t>3</a:t>
+            </a:fld>
+            <a:endParaRPr kumimoji="0" lang="en-US" sz="1200" b="0" i="0" u="none" strike="noStrike" kern="1200" cap="none" spc="0" normalizeH="0" baseline="0" noProof="0">
+              <a:ln>
+                <a:noFill/>
+              </a:ln>
+              <a:solidFill>
+                <a:prstClr val="black">
+                  <a:tint val="75000"/>
+                </a:prstClr>
+              </a:solidFill>
+              <a:effectLst/>
+              <a:uLnTx/>
+              <a:uFillTx/>
+              <a:latin typeface="Calibri"/>
+              <a:ea typeface="+mn-ea"/>
+              <a:cs typeface="+mn-cs"/>
+            </a:endParaRPr>
+          </a:p>
+        </p:txBody>
+      </p:sp>
+    </p:spTree>
+    <p:extLst>
+      <p:ext uri="{BB962C8B-B14F-4D97-AF65-F5344CB8AC3E}">
+        <p14:creationId xmlns:p14="http://schemas.microsoft.com/office/powerpoint/2010/main" val="1500891996"/>
+      </p:ext>
+    </p:extLst>
+  </p:cSld>
+  <p:clrMapOvr>
+    <a:masterClrMapping/>
+  </p:clrMapOvr>
+</p:sld>
+</file>
+
+<file path=ppt/slides/slide4.xml><?xml version="1.0" encoding="utf-8"?>
+<p:sld xmlns:a="http://schemas.openxmlformats.org/drawingml/2006/main" xmlns:r="http://schemas.openxmlformats.org/officeDocument/2006/relationships" xmlns:p="http://schemas.openxmlformats.org/presentationml/2006/main">
+  <p:cSld>
+    <p:spTree>
+      <p:nvGrpSpPr>
+        <p:cNvPr id="1" name=""/>
+        <p:cNvGrpSpPr/>
+        <p:nvPr/>
+      </p:nvGrpSpPr>
+      <p:grpSpPr>
+        <a:xfrm>
+          <a:off x="0" y="0"/>
+          <a:ext cx="0" cy="0"/>
+          <a:chOff x="0" y="0"/>
+          <a:chExt cx="0" cy="0"/>
+        </a:xfrm>
+      </p:grpSpPr>
+      <p:sp>
+        <p:nvSpPr>
+          <p:cNvPr id="2" name="Title 1">
+            <a:extLst>
+              <a:ext uri="{FF2B5EF4-FFF2-40B4-BE49-F238E27FC236}">
+                <a16:creationId xmlns:a16="http://schemas.microsoft.com/office/drawing/2014/main" id="{E6A26517-7A8C-6D44-8A80-103F9AD20C90}"/>
+              </a:ext>
+            </a:extLst>
+          </p:cNvPr>
+          <p:cNvSpPr>
+            <a:spLocks noGrp="1"/>
+          </p:cNvSpPr>
+          <p:nvPr>
+            <p:ph type="title"/>
+          </p:nvPr>
+        </p:nvSpPr>
+        <p:spPr/>
+        <p:txBody>
+          <a:bodyPr/>
+          <a:lstStyle/>
+          <a:p>
+            <a:pPr algn="l"/>
+            <a:r>
+              <a:rPr lang="en-US" dirty="0"/>
+              <a:t>MOOSE Project Part 2</a:t>
+            </a:r>
+          </a:p>
+        </p:txBody>
+      </p:sp>
+      <p:sp>
+        <p:nvSpPr>
+          <p:cNvPr id="4" name="Slide Number Placeholder 3">
+            <a:extLst>
+              <a:ext uri="{FF2B5EF4-FFF2-40B4-BE49-F238E27FC236}">
+                <a16:creationId xmlns:a16="http://schemas.microsoft.com/office/drawing/2014/main" id="{8AF4B4B8-A41F-4142-861A-4CEFCF7BBA69}"/>
+              </a:ext>
+            </a:extLst>
+          </p:cNvPr>
+          <p:cNvSpPr>
+            <a:spLocks noGrp="1"/>
+          </p:cNvSpPr>
+          <p:nvPr>
+            <p:ph type="sldNum" sz="quarter" idx="12"/>
+          </p:nvPr>
+        </p:nvSpPr>
+        <p:spPr/>
+        <p:txBody>
+          <a:bodyPr/>
+          <a:lstStyle/>
+          <a:p>
+            <a:pPr marL="0" marR="0" lvl="0" indent="0" algn="r" defTabSz="914400" rtl="0" eaLnBrk="1" fontAlgn="auto" latinLnBrk="0" hangingPunct="1">
+              <a:lnSpc>
+                <a:spcPct val="100000"/>
+              </a:lnSpc>
+              <a:spcBef>
+                <a:spcPts val="0"/>
+              </a:spcBef>
+              <a:spcAft>
+                <a:spcPts val="0"/>
+              </a:spcAft>
+              <a:buClrTx/>
+              <a:buSzTx/>
+              <a:buFontTx/>
+              <a:buNone/>
+              <a:tabLst/>
+              <a:defRPr/>
+            </a:pPr>
+            <a:fld id="{3FF2C605-4958-CF43-AA48-80339EFDB0AF}" type="slidenum">
+              <a:rPr kumimoji="0" lang="en-US" sz="1200" b="0" i="0" u="none" strike="noStrike" kern="1200" cap="none" spc="0" normalizeH="0" baseline="0" noProof="0" smtClean="0">
+                <a:ln>
+                  <a:noFill/>
+                </a:ln>
+                <a:solidFill>
+                  <a:prstClr val="black">
+                    <a:tint val="75000"/>
+                  </a:prstClr>
+                </a:solidFill>
+                <a:effectLst/>
+                <a:uLnTx/>
+                <a:uFillTx/>
+                <a:latin typeface="Calibri"/>
+                <a:ea typeface="+mn-ea"/>
+                <a:cs typeface="+mn-cs"/>
+              </a:rPr>
+              <a:pPr marL="0" marR="0" lvl="0" indent="0" algn="r" defTabSz="914400" rtl="0" eaLnBrk="1" fontAlgn="auto" latinLnBrk="0" hangingPunct="1">
+                <a:lnSpc>
+                  <a:spcPct val="100000"/>
+                </a:lnSpc>
+                <a:spcBef>
+                  <a:spcPts val="0"/>
+                </a:spcBef>
+                <a:spcAft>
+                  <a:spcPts val="0"/>
+                </a:spcAft>
+                <a:buClrTx/>
+                <a:buSzTx/>
+                <a:buFontTx/>
+                <a:buNone/>
+                <a:tabLst/>
+                <a:defRPr/>
+              </a:pPr>
+              <a:t>4</a:t>
             </a:fld>
             <a:endParaRPr kumimoji="0" lang="en-US" sz="1200" b="0" i="0" u="none" strike="noStrike" kern="1200" cap="none" spc="0" normalizeH="0" baseline="0" noProof="0">
               <a:ln>
@@ -5881,7 +6065,7 @@
         <p:spPr>
           <a:xfrm>
             <a:off x="667872" y="1968501"/>
-            <a:ext cx="7726433" cy="3693319"/>
+            <a:ext cx="7726433" cy="2862322"/>
           </a:xfrm>
           <a:prstGeom prst="rect">
             <a:avLst/>
@@ -6208,7 +6392,84 @@
               <a:tabLst/>
               <a:defRPr/>
             </a:pPr>
-            <a:endParaRPr kumimoji="0" lang="en-US" sz="1800" b="0" i="0" u="none" strike="noStrike" kern="1200" cap="none" spc="0" normalizeH="0" baseline="0" noProof="0" dirty="0">
+            <a:r>
+              <a:rPr kumimoji="0" lang="en-US" sz="1800" b="0" i="0" u="none" strike="noStrike" kern="1200" cap="none" spc="0" normalizeH="0" baseline="0" noProof="0" dirty="0">
+                <a:ln>
+                  <a:noFill/>
+                </a:ln>
+                <a:solidFill>
+                  <a:prstClr val="black"/>
+                </a:solidFill>
+                <a:effectLst/>
+                <a:uLnTx/>
+                <a:uFillTx/>
+                <a:latin typeface="Calibri"/>
+                <a:ea typeface="+mn-ea"/>
+                <a:cs typeface="+mn-cs"/>
+              </a:rPr>
+              <a:t>Solve temperature profile for: </a:t>
+            </a:r>
+          </a:p>
+          <a:p>
+            <a:pPr marL="742950" marR="0" lvl="1" indent="-285750" algn="l" defTabSz="914400" rtl="0" eaLnBrk="1" fontAlgn="auto" latinLnBrk="0" hangingPunct="1">
+              <a:lnSpc>
+                <a:spcPct val="100000"/>
+              </a:lnSpc>
+              <a:spcBef>
+                <a:spcPts val="0"/>
+              </a:spcBef>
+              <a:spcAft>
+                <a:spcPts val="0"/>
+              </a:spcAft>
+              <a:buClrTx/>
+              <a:buSzTx/>
+              <a:buFont typeface="Arial" panose="020B0604020202020204" pitchFamily="34" charset="0"/>
+              <a:buChar char="•"/>
+              <a:tabLst/>
+              <a:defRPr/>
+            </a:pPr>
+            <a:r>
+              <a:rPr kumimoji="0" lang="en-US" sz="1800" b="0" i="0" u="none" strike="noStrike" kern="1200" cap="none" spc="0" normalizeH="0" baseline="0" noProof="0" dirty="0">
+                <a:ln>
+                  <a:noFill/>
+                </a:ln>
+                <a:solidFill>
+                  <a:prstClr val="black"/>
+                </a:solidFill>
+                <a:effectLst/>
+                <a:uLnTx/>
+                <a:uFillTx/>
+                <a:latin typeface="Calibri"/>
+                <a:ea typeface="+mn-ea"/>
+                <a:cs typeface="+mn-cs"/>
+              </a:rPr>
+              <a:t>z=0.25, z=0.5, z=1</a:t>
+            </a:r>
+          </a:p>
+          <a:p>
+            <a:pPr marL="285750" indent="-285750">
+              <a:buFont typeface="Arial" panose="020B0604020202020204" pitchFamily="34" charset="0"/>
+              <a:buChar char="•"/>
+              <a:defRPr/>
+            </a:pPr>
+            <a:r>
+              <a:rPr kumimoji="0" lang="en-US" sz="1800" b="0" i="0" u="none" strike="noStrike" kern="1200" cap="none" spc="0" normalizeH="0" baseline="0" noProof="0" dirty="0">
+                <a:ln>
+                  <a:noFill/>
+                </a:ln>
+                <a:solidFill>
+                  <a:prstClr val="black"/>
+                </a:solidFill>
+                <a:effectLst/>
+                <a:uLnTx/>
+                <a:uFillTx/>
+                <a:latin typeface="Calibri"/>
+                <a:ea typeface="+mn-ea"/>
+                <a:cs typeface="+mn-cs"/>
+              </a:rPr>
+              <a:t>Find axial location of peak centerline temperature at steady-state</a:t>
+            </a:r>
+            <a:endParaRPr kumimoji="0" lang="en-US" b="0" i="0" u="none" strike="noStrike" kern="1200" cap="none" spc="0" normalizeH="0" baseline="0" noProof="0" dirty="0">
               <a:ln>
                 <a:noFill/>
               </a:ln>
@@ -6241,111 +6502,6 @@
               <a:tabLst/>
               <a:defRPr/>
             </a:pPr>
-            <a:endParaRPr kumimoji="0" lang="en-US" sz="1800" b="0" i="0" u="none" strike="noStrike" kern="1200" cap="none" spc="0" normalizeH="0" baseline="0" noProof="0" dirty="0">
-              <a:ln>
-                <a:noFill/>
-              </a:ln>
-              <a:solidFill>
-                <a:prstClr val="black"/>
-              </a:solidFill>
-              <a:effectLst/>
-              <a:uLnTx/>
-              <a:uFillTx/>
-              <a:latin typeface="Calibri"/>
-              <a:ea typeface="+mn-ea"/>
-              <a:cs typeface="+mn-cs"/>
-            </a:endParaRPr>
-          </a:p>
-          <a:p>
-            <a:pPr marL="285750" marR="0" lvl="0" indent="-285750" algn="l" defTabSz="914400" rtl="0" eaLnBrk="1" fontAlgn="auto" latinLnBrk="0" hangingPunct="1">
-              <a:lnSpc>
-                <a:spcPct val="100000"/>
-              </a:lnSpc>
-              <a:spcBef>
-                <a:spcPts val="0"/>
-              </a:spcBef>
-              <a:spcAft>
-                <a:spcPts val="0"/>
-              </a:spcAft>
-              <a:buClrTx/>
-              <a:buSzTx/>
-              <a:buFont typeface="Arial" panose="020B0604020202020204" pitchFamily="34" charset="0"/>
-              <a:buChar char="•"/>
-              <a:tabLst/>
-              <a:defRPr/>
-            </a:pPr>
-            <a:r>
-              <a:rPr kumimoji="0" lang="en-US" sz="1800" b="0" i="0" u="none" strike="noStrike" kern="1200" cap="none" spc="0" normalizeH="0" baseline="0" noProof="0" dirty="0">
-                <a:ln>
-                  <a:noFill/>
-                </a:ln>
-                <a:solidFill>
-                  <a:prstClr val="black"/>
-                </a:solidFill>
-                <a:effectLst/>
-                <a:uLnTx/>
-                <a:uFillTx/>
-                <a:latin typeface="Calibri"/>
-                <a:ea typeface="+mn-ea"/>
-                <a:cs typeface="+mn-cs"/>
-              </a:rPr>
-              <a:t>Solve temperature profile for: </a:t>
-            </a:r>
-          </a:p>
-          <a:p>
-            <a:pPr marL="742950" marR="0" lvl="1" indent="-285750" algn="l" defTabSz="914400" rtl="0" eaLnBrk="1" fontAlgn="auto" latinLnBrk="0" hangingPunct="1">
-              <a:lnSpc>
-                <a:spcPct val="100000"/>
-              </a:lnSpc>
-              <a:spcBef>
-                <a:spcPts val="0"/>
-              </a:spcBef>
-              <a:spcAft>
-                <a:spcPts val="0"/>
-              </a:spcAft>
-              <a:buClrTx/>
-              <a:buSzTx/>
-              <a:buFont typeface="Arial" panose="020B0604020202020204" pitchFamily="34" charset="0"/>
-              <a:buChar char="•"/>
-              <a:tabLst/>
-              <a:defRPr/>
-            </a:pPr>
-            <a:r>
-              <a:rPr kumimoji="0" lang="en-US" sz="1800" b="0" i="0" u="none" strike="noStrike" kern="1200" cap="none" spc="0" normalizeH="0" baseline="0" noProof="0" dirty="0">
-                <a:ln>
-                  <a:noFill/>
-                </a:ln>
-                <a:solidFill>
-                  <a:prstClr val="black"/>
-                </a:solidFill>
-                <a:effectLst/>
-                <a:uLnTx/>
-                <a:uFillTx/>
-                <a:latin typeface="Calibri"/>
-                <a:ea typeface="+mn-ea"/>
-                <a:cs typeface="+mn-cs"/>
-              </a:rPr>
-              <a:t>@ z=0.25, z=0.5, z=1</a:t>
-            </a:r>
-          </a:p>
-          <a:p>
-            <a:pPr marL="285750" marR="0" lvl="0" indent="-285750" algn="l" defTabSz="914400" rtl="0" eaLnBrk="1" fontAlgn="auto" latinLnBrk="0" hangingPunct="1">
-              <a:lnSpc>
-                <a:spcPct val="100000"/>
-              </a:lnSpc>
-              <a:spcBef>
-                <a:spcPts val="0"/>
-              </a:spcBef>
-              <a:spcAft>
-                <a:spcPts val="0"/>
-              </a:spcAft>
-              <a:buClrTx/>
-              <a:buSzTx/>
-              <a:buFont typeface="Arial" panose="020B0604020202020204" pitchFamily="34" charset="0"/>
-              <a:buChar char="•"/>
-              <a:tabLst/>
-              <a:defRPr/>
-            </a:pPr>
             <a:r>
               <a:rPr kumimoji="0" lang="en-US" sz="1800" b="0" i="0" u="none" strike="noStrike" kern="1200" cap="none" spc="0" normalizeH="0" baseline="0" noProof="0" dirty="0">
                 <a:ln>
@@ -6419,17 +6575,14 @@
                 <a:ea typeface="+mn-ea"/>
                 <a:cs typeface="+mn-cs"/>
               </a:rPr>
-              <a:t> = 5</a:t>
-            </a:r>
-            <a:r>
-              <a:rPr lang="en-US" dirty="0">
-                <a:solidFill>
-                  <a:prstClr val="black"/>
-                </a:solidFill>
-                <a:latin typeface="Calibri"/>
-              </a:rPr>
-              <a:t>00*[(t/100)^0.5]*[(1-(t/100))^4] + 150</a:t>
-            </a:r>
+              <a:t> = 250*EXP(-((B3-20)^2)/10)+150</a:t>
+            </a:r>
+            <a:endParaRPr lang="en-US" dirty="0">
+              <a:solidFill>
+                <a:prstClr val="black"/>
+              </a:solidFill>
+              <a:latin typeface="Calibri"/>
+            </a:endParaRPr>
           </a:p>
           <a:p>
             <a:pPr marL="742950" marR="0" lvl="1" indent="-285750" algn="l" defTabSz="914400" rtl="0" eaLnBrk="1" fontAlgn="auto" latinLnBrk="0" hangingPunct="1">
@@ -6464,43 +6617,7 @@
                 <a:ea typeface="+mn-ea"/>
                 <a:cs typeface="+mn-cs"/>
               </a:rPr>
-              <a:t>@ z=0.25, z=0.5, z=1</a:t>
-            </a:r>
-          </a:p>
-          <a:p>
-            <a:pPr marL="285750" marR="0" lvl="0" indent="-285750" algn="l" defTabSz="914400" rtl="0" eaLnBrk="1" fontAlgn="auto" latinLnBrk="0" hangingPunct="1">
-              <a:lnSpc>
-                <a:spcPct val="100000"/>
-              </a:lnSpc>
-              <a:spcBef>
-                <a:spcPts val="0"/>
-              </a:spcBef>
-              <a:spcAft>
-                <a:spcPts val="0"/>
-              </a:spcAft>
-              <a:buClrTx/>
-              <a:buSzTx/>
-              <a:buFont typeface="Arial" panose="020B0604020202020204" pitchFamily="34" charset="0"/>
-              <a:buChar char="•"/>
-              <a:tabLst/>
-              <a:defRPr/>
-            </a:pPr>
-            <a:r>
-              <a:rPr kumimoji="0" lang="en-US" sz="1800" b="0" i="0" u="none" strike="noStrike" kern="1200" cap="none" spc="0" normalizeH="0" baseline="0" noProof="0" dirty="0">
-                <a:ln>
-                  <a:noFill/>
-                </a:ln>
-                <a:solidFill>
-                  <a:prstClr val="black"/>
-                </a:solidFill>
-                <a:effectLst/>
-                <a:uLnTx/>
-                <a:uFillTx/>
-                <a:latin typeface="Calibri"/>
-                <a:ea typeface="+mn-ea"/>
-                <a:cs typeface="+mn-cs"/>
-              </a:rPr>
-              <a:t>Find location of peak centerline temperature at steady-state and at t=100 in transient</a:t>
+              <a:t>z=0.25, z=0.5, z=1</a:t>
             </a:r>
           </a:p>
         </p:txBody>
@@ -6960,77 +7077,6 @@
           </a:p>
         </p:txBody>
       </p:sp>
-      <p:pic>
-        <p:nvPicPr>
-          <p:cNvPr id="24" name="Picture 23">
-            <a:extLst>
-              <a:ext uri="{FF2B5EF4-FFF2-40B4-BE49-F238E27FC236}">
-                <a16:creationId xmlns:a16="http://schemas.microsoft.com/office/drawing/2014/main" id="{2F8585A1-6516-A74B-9FE1-6D94F06B11EE}"/>
-              </a:ext>
-            </a:extLst>
-          </p:cNvPr>
-          <p:cNvPicPr>
-            <a:picLocks noChangeAspect="1"/>
-          </p:cNvPicPr>
-          <p:nvPr/>
-        </p:nvPicPr>
-        <p:blipFill>
-          <a:blip r:embed="rId2" cstate="screen">
-            <a:extLst>
-              <a:ext uri="{28A0092B-C50C-407E-A947-70E740481C1C}">
-                <a14:useLocalDpi xmlns:a14="http://schemas.microsoft.com/office/drawing/2010/main"/>
-              </a:ext>
-            </a:extLst>
-          </a:blip>
-          <a:stretch>
-            <a:fillRect/>
-          </a:stretch>
-        </p:blipFill>
-        <p:spPr>
-          <a:xfrm>
-            <a:off x="1161884" y="3150985"/>
-            <a:ext cx="2661319" cy="426011"/>
-          </a:xfrm>
-          <a:prstGeom prst="rect">
-            <a:avLst/>
-          </a:prstGeom>
-        </p:spPr>
-      </p:pic>
-      <p:pic>
-        <p:nvPicPr>
-          <p:cNvPr id="25" name="Picture 24">
-            <a:extLst>
-              <a:ext uri="{FF2B5EF4-FFF2-40B4-BE49-F238E27FC236}">
-                <a16:creationId xmlns:a16="http://schemas.microsoft.com/office/drawing/2014/main" id="{A3DE7B07-BBAE-8440-91A5-47C0DF19FC8D}"/>
-              </a:ext>
-            </a:extLst>
-          </p:cNvPr>
-          <p:cNvPicPr>
-            <a:picLocks noChangeAspect="1"/>
-          </p:cNvPicPr>
-          <p:nvPr/>
-        </p:nvPicPr>
-        <p:blipFill rotWithShape="1">
-          <a:blip r:embed="rId3" cstate="screen">
-            <a:extLst>
-              <a:ext uri="{28A0092B-C50C-407E-A947-70E740481C1C}">
-                <a14:useLocalDpi xmlns:a14="http://schemas.microsoft.com/office/drawing/2010/main"/>
-              </a:ext>
-            </a:extLst>
-          </a:blip>
-          <a:srcRect/>
-          <a:stretch/>
-        </p:blipFill>
-        <p:spPr>
-          <a:xfrm>
-            <a:off x="4352824" y="3063920"/>
-            <a:ext cx="3048468" cy="500827"/>
-          </a:xfrm>
-          <a:prstGeom prst="rect">
-            <a:avLst/>
-          </a:prstGeom>
-        </p:spPr>
-      </p:pic>
     </p:spTree>
     <p:extLst>
       <p:ext uri="{BB962C8B-B14F-4D97-AF65-F5344CB8AC3E}">
@@ -7044,12 +7090,18 @@
 </p:sld>
 </file>
 
-<file path=ppt/slides/slide4.xml><?xml version="1.0" encoding="utf-8"?>
+<file path=ppt/slides/slide5.xml><?xml version="1.0" encoding="utf-8"?>
 <p:sld xmlns:a="http://schemas.openxmlformats.org/drawingml/2006/main" xmlns:r="http://schemas.openxmlformats.org/officeDocument/2006/relationships" xmlns:p="http://schemas.openxmlformats.org/presentationml/2006/main">
   <p:cSld>
     <p:spTree>
       <p:nvGrpSpPr>
-        <p:cNvPr id="1" name=""/>
+        <p:cNvPr id="1" name="">
+          <a:extLst>
+            <a:ext uri="{FF2B5EF4-FFF2-40B4-BE49-F238E27FC236}">
+              <a16:creationId xmlns:a16="http://schemas.microsoft.com/office/drawing/2014/main" id="{84A8B12A-16A3-771C-F41C-DBC0A5159BDB}"/>
+            </a:ext>
+          </a:extLst>
+        </p:cNvPr>
         <p:cNvGrpSpPr/>
         <p:nvPr/>
       </p:nvGrpSpPr>
@@ -7066,7 +7118,7 @@
           <p:cNvPr id="2" name="Title 1">
             <a:extLst>
               <a:ext uri="{FF2B5EF4-FFF2-40B4-BE49-F238E27FC236}">
-                <a16:creationId xmlns:a16="http://schemas.microsoft.com/office/drawing/2014/main" id="{E6A26517-7A8C-6D44-8A80-103F9AD20C90}"/>
+                <a16:creationId xmlns:a16="http://schemas.microsoft.com/office/drawing/2014/main" id="{F0EE8955-F140-772A-3299-79D2581D79AD}"/>
               </a:ext>
             </a:extLst>
           </p:cNvPr>
@@ -7082,11 +7134,59 @@
           <a:bodyPr/>
           <a:lstStyle/>
           <a:p>
-            <a:pPr algn="l"/>
             <a:r>
               <a:rPr lang="en-US" dirty="0"/>
-              <a:t>MOOSE Project Part 3</a:t>
-            </a:r>
+              <a:t>Part 2 Writeup</a:t>
+            </a:r>
+          </a:p>
+        </p:txBody>
+      </p:sp>
+      <p:sp>
+        <p:nvSpPr>
+          <p:cNvPr id="3" name="Content Placeholder 2">
+            <a:extLst>
+              <a:ext uri="{FF2B5EF4-FFF2-40B4-BE49-F238E27FC236}">
+                <a16:creationId xmlns:a16="http://schemas.microsoft.com/office/drawing/2014/main" id="{F3FB7502-5F80-05D6-0320-653A9DFC19C0}"/>
+              </a:ext>
+            </a:extLst>
+          </p:cNvPr>
+          <p:cNvSpPr>
+            <a:spLocks noGrp="1"/>
+          </p:cNvSpPr>
+          <p:nvPr>
+            <p:ph idx="1"/>
+          </p:nvPr>
+        </p:nvSpPr>
+        <p:spPr/>
+        <p:txBody>
+          <a:bodyPr/>
+          <a:lstStyle/>
+          <a:p>
+            <a:r>
+              <a:rPr lang="en-US" dirty="0"/>
+              <a:t>Will upload input and output files to Moodle</a:t>
+            </a:r>
+          </a:p>
+          <a:p>
+            <a:r>
+              <a:rPr lang="en-US" dirty="0"/>
+              <a:t>Write up with deliverables from Part 1 &amp; 2, choice of materials, mesh, details therein, etc. </a:t>
+            </a:r>
+          </a:p>
+          <a:p>
+            <a:r>
+              <a:rPr lang="en-US" dirty="0"/>
+              <a:t>Expected to have fixed any issues with Part 1 </a:t>
+            </a:r>
+          </a:p>
+          <a:p>
+            <a:r>
+              <a:rPr lang="en-US" dirty="0"/>
+              <a:t>Part 2 writeup max of 8 pages</a:t>
+            </a:r>
+          </a:p>
+          <a:p>
+            <a:endParaRPr lang="en-US" dirty="0"/>
           </a:p>
         </p:txBody>
       </p:sp>
@@ -7095,7 +7195,7 @@
           <p:cNvPr id="4" name="Slide Number Placeholder 3">
             <a:extLst>
               <a:ext uri="{FF2B5EF4-FFF2-40B4-BE49-F238E27FC236}">
-                <a16:creationId xmlns:a16="http://schemas.microsoft.com/office/drawing/2014/main" id="{8AF4B4B8-A41F-4142-861A-4CEFCF7BBA69}"/>
+                <a16:creationId xmlns:a16="http://schemas.microsoft.com/office/drawing/2014/main" id="{BBEC51AF-A167-6717-3A24-771809C695D0}"/>
               </a:ext>
             </a:extLst>
           </p:cNvPr>
@@ -7162,7 +7262,7 @@
                 <a:tabLst/>
                 <a:defRPr/>
               </a:pPr>
-              <a:t>4</a:t>
+              <a:t>5</a:t>
             </a:fld>
             <a:endParaRPr kumimoji="0" lang="en-US" sz="1200" b="0" i="0" u="none" strike="noStrike" kern="1200" cap="none" spc="0" normalizeH="0" baseline="0" noProof="0">
               <a:ln>
@@ -7183,6 +7283,158 @@
           </a:p>
         </p:txBody>
       </p:sp>
+    </p:spTree>
+    <p:extLst>
+      <p:ext uri="{BB962C8B-B14F-4D97-AF65-F5344CB8AC3E}">
+        <p14:creationId xmlns:p14="http://schemas.microsoft.com/office/powerpoint/2010/main" val="2452201381"/>
+      </p:ext>
+    </p:extLst>
+  </p:cSld>
+  <p:clrMapOvr>
+    <a:masterClrMapping/>
+  </p:clrMapOvr>
+</p:sld>
+</file>
+
+<file path=ppt/slides/slide6.xml><?xml version="1.0" encoding="utf-8"?>
+<p:sld xmlns:a="http://schemas.openxmlformats.org/drawingml/2006/main" xmlns:r="http://schemas.openxmlformats.org/officeDocument/2006/relationships" xmlns:p="http://schemas.openxmlformats.org/presentationml/2006/main">
+  <p:cSld>
+    <p:spTree>
+      <p:nvGrpSpPr>
+        <p:cNvPr id="1" name=""/>
+        <p:cNvGrpSpPr/>
+        <p:nvPr/>
+      </p:nvGrpSpPr>
+      <p:grpSpPr>
+        <a:xfrm>
+          <a:off x="0" y="0"/>
+          <a:ext cx="0" cy="0"/>
+          <a:chOff x="0" y="0"/>
+          <a:chExt cx="0" cy="0"/>
+        </a:xfrm>
+      </p:grpSpPr>
+      <p:sp>
+        <p:nvSpPr>
+          <p:cNvPr id="2" name="Title 1">
+            <a:extLst>
+              <a:ext uri="{FF2B5EF4-FFF2-40B4-BE49-F238E27FC236}">
+                <a16:creationId xmlns:a16="http://schemas.microsoft.com/office/drawing/2014/main" id="{E6A26517-7A8C-6D44-8A80-103F9AD20C90}"/>
+              </a:ext>
+            </a:extLst>
+          </p:cNvPr>
+          <p:cNvSpPr>
+            <a:spLocks noGrp="1"/>
+          </p:cNvSpPr>
+          <p:nvPr>
+            <p:ph type="title"/>
+          </p:nvPr>
+        </p:nvSpPr>
+        <p:spPr/>
+        <p:txBody>
+          <a:bodyPr/>
+          <a:lstStyle/>
+          <a:p>
+            <a:pPr algn="l"/>
+            <a:r>
+              <a:rPr lang="en-US" dirty="0"/>
+              <a:t>MOOSE Project Part 3</a:t>
+            </a:r>
+          </a:p>
+        </p:txBody>
+      </p:sp>
+      <p:sp>
+        <p:nvSpPr>
+          <p:cNvPr id="4" name="Slide Number Placeholder 3">
+            <a:extLst>
+              <a:ext uri="{FF2B5EF4-FFF2-40B4-BE49-F238E27FC236}">
+                <a16:creationId xmlns:a16="http://schemas.microsoft.com/office/drawing/2014/main" id="{8AF4B4B8-A41F-4142-861A-4CEFCF7BBA69}"/>
+              </a:ext>
+            </a:extLst>
+          </p:cNvPr>
+          <p:cNvSpPr>
+            <a:spLocks noGrp="1"/>
+          </p:cNvSpPr>
+          <p:nvPr>
+            <p:ph type="sldNum" sz="quarter" idx="12"/>
+          </p:nvPr>
+        </p:nvSpPr>
+        <p:spPr/>
+        <p:txBody>
+          <a:bodyPr/>
+          <a:lstStyle/>
+          <a:p>
+            <a:pPr marL="0" marR="0" lvl="0" indent="0" algn="r" defTabSz="914400" rtl="0" eaLnBrk="1" fontAlgn="auto" latinLnBrk="0" hangingPunct="1">
+              <a:lnSpc>
+                <a:spcPct val="100000"/>
+              </a:lnSpc>
+              <a:spcBef>
+                <a:spcPts val="0"/>
+              </a:spcBef>
+              <a:spcAft>
+                <a:spcPts val="0"/>
+              </a:spcAft>
+              <a:buClrTx/>
+              <a:buSzTx/>
+              <a:buFontTx/>
+              <a:buNone/>
+              <a:tabLst/>
+              <a:defRPr/>
+            </a:pPr>
+            <a:fld id="{3FF2C605-4958-CF43-AA48-80339EFDB0AF}" type="slidenum">
+              <a:rPr kumimoji="0" lang="en-US" sz="1200" b="0" i="0" u="none" strike="noStrike" kern="1200" cap="none" spc="0" normalizeH="0" baseline="0" noProof="0" smtClean="0">
+                <a:ln>
+                  <a:noFill/>
+                </a:ln>
+                <a:solidFill>
+                  <a:prstClr val="black">
+                    <a:tint val="75000"/>
+                  </a:prstClr>
+                </a:solidFill>
+                <a:effectLst/>
+                <a:uLnTx/>
+                <a:uFillTx/>
+                <a:latin typeface="Calibri"/>
+                <a:ea typeface="+mn-ea"/>
+                <a:cs typeface="+mn-cs"/>
+              </a:rPr>
+              <a:pPr marL="0" marR="0" lvl="0" indent="0" algn="r" defTabSz="914400" rtl="0" eaLnBrk="1" fontAlgn="auto" latinLnBrk="0" hangingPunct="1">
+                <a:lnSpc>
+                  <a:spcPct val="100000"/>
+                </a:lnSpc>
+                <a:spcBef>
+                  <a:spcPts val="0"/>
+                </a:spcBef>
+                <a:spcAft>
+                  <a:spcPts val="0"/>
+                </a:spcAft>
+                <a:buClrTx/>
+                <a:buSzTx/>
+                <a:buFontTx/>
+                <a:buNone/>
+                <a:tabLst/>
+                <a:defRPr/>
+              </a:pPr>
+              <a:t>6</a:t>
+            </a:fld>
+            <a:endParaRPr kumimoji="0" lang="en-US" sz="1200" b="0" i="0" u="none" strike="noStrike" kern="1200" cap="none" spc="0" normalizeH="0" baseline="0" noProof="0">
+              <a:ln>
+                <a:noFill/>
+              </a:ln>
+              <a:solidFill>
+                <a:prstClr val="black">
+                  <a:tint val="75000"/>
+                </a:prstClr>
+              </a:solidFill>
+              <a:effectLst/>
+              <a:uLnTx/>
+              <a:uFillTx/>
+              <a:latin typeface="Calibri"/>
+              <a:ea typeface="+mn-ea"/>
+              <a:cs typeface="+mn-cs"/>
+            </a:endParaRPr>
+          </a:p>
+        </p:txBody>
+      </p:sp>
       <p:sp>
         <p:nvSpPr>
           <p:cNvPr id="16" name="TextBox 15">
@@ -7198,7 +7450,7 @@
         <p:spPr>
           <a:xfrm>
             <a:off x="667872" y="1968501"/>
-            <a:ext cx="10914528" cy="2585323"/>
+            <a:ext cx="10914528" cy="2862322"/>
           </a:xfrm>
           <a:prstGeom prst="rect">
             <a:avLst/>
@@ -7243,7 +7495,7 @@
                 <a:ea typeface="+mn-ea"/>
                 <a:cs typeface="+mn-cs"/>
               </a:rPr>
-              <a:t>Utilizing the system from Part 2, combine heat conduction and tensor mechanics in a fully thermo-mechanical simulation to get the stresses due to thermal expansion in the fuel</a:t>
+              <a:t>Utilizing the system from Part 2, combine heat conduction and tensor mechanics in a fully thermo-mechanical simulation to get the stresses due to thermal expansion and irradiation-induced swelling in the fuel. Use thermo-mechanical contact to look at Pellet-Cladding Mechanical Interaction (PCMI) behaviors. </a:t>
             </a:r>
           </a:p>
           <a:p>
@@ -7304,7 +7556,15 @@
                 </a:solidFill>
                 <a:latin typeface="Calibri"/>
               </a:rPr>
-              <a:t>1) Assume a constant thermal conductivity</a:t>
+              <a:t>1) Assume </a:t>
+            </a:r>
+            <a:r>
+              <a:rPr lang="en-US" dirty="0">
+                <a:solidFill>
+                  <a:prstClr val="black"/>
+                </a:solidFill>
+              </a:rPr>
+              <a:t>a temperature dependent thermal conductivity from part 2</a:t>
             </a:r>
           </a:p>
           <a:p>
@@ -7318,17 +7578,8 @@
                 <a:solidFill>
                   <a:prstClr val="black"/>
                 </a:solidFill>
-                <a:latin typeface="Calibri"/>
               </a:rPr>
-              <a:t>2) Assume </a:t>
-            </a:r>
-            <a:r>
-              <a:rPr lang="en-US" dirty="0">
-                <a:solidFill>
-                  <a:prstClr val="black"/>
-                </a:solidFill>
-              </a:rPr>
-              <a:t>a temperature dependent thermal conductivity</a:t>
+              <a:t>2) Assume an irradiation-induced swelling model (i.e., eigenstrain)</a:t>
             </a:r>
           </a:p>
           <a:p>
@@ -7355,7 +7606,7 @@
                   <a:prstClr val="black"/>
                 </a:solidFill>
               </a:rPr>
-              <a:t>Can neglect any potential effects of contact, can reduce boundary conditions to a fuel surface temp</a:t>
+              <a:t>Can reduce boundary conditions to a fuel surface temp</a:t>
             </a:r>
           </a:p>
           <a:p>
@@ -7400,7 +7651,213 @@
     </p:spTree>
     <p:extLst>
       <p:ext uri="{BB962C8B-B14F-4D97-AF65-F5344CB8AC3E}">
-        <p14:creationId xmlns:p14="http://schemas.microsoft.com/office/powerpoint/2010/main" val="2204119012"/>
+        <p14:creationId xmlns:p14="http://schemas.microsoft.com/office/powerpoint/2010/main" val="202603072"/>
+      </p:ext>
+    </p:extLst>
+  </p:cSld>
+  <p:clrMapOvr>
+    <a:masterClrMapping/>
+  </p:clrMapOvr>
+</p:sld>
+</file>
+
+<file path=ppt/slides/slide7.xml><?xml version="1.0" encoding="utf-8"?>
+<p:sld xmlns:a="http://schemas.openxmlformats.org/drawingml/2006/main" xmlns:r="http://schemas.openxmlformats.org/officeDocument/2006/relationships" xmlns:p="http://schemas.openxmlformats.org/presentationml/2006/main">
+  <p:cSld>
+    <p:spTree>
+      <p:nvGrpSpPr>
+        <p:cNvPr id="1" name="">
+          <a:extLst>
+            <a:ext uri="{FF2B5EF4-FFF2-40B4-BE49-F238E27FC236}">
+              <a16:creationId xmlns:a16="http://schemas.microsoft.com/office/drawing/2014/main" id="{55236ADF-8E6E-3D24-D9B8-77E34DA1AFA5}"/>
+            </a:ext>
+          </a:extLst>
+        </p:cNvPr>
+        <p:cNvGrpSpPr/>
+        <p:nvPr/>
+      </p:nvGrpSpPr>
+      <p:grpSpPr>
+        <a:xfrm>
+          <a:off x="0" y="0"/>
+          <a:ext cx="0" cy="0"/>
+          <a:chOff x="0" y="0"/>
+          <a:chExt cx="0" cy="0"/>
+        </a:xfrm>
+      </p:grpSpPr>
+      <p:sp>
+        <p:nvSpPr>
+          <p:cNvPr id="2" name="Title 1">
+            <a:extLst>
+              <a:ext uri="{FF2B5EF4-FFF2-40B4-BE49-F238E27FC236}">
+                <a16:creationId xmlns:a16="http://schemas.microsoft.com/office/drawing/2014/main" id="{E09BE9A1-D1EC-E58E-F8E4-02EE7C0E1CAE}"/>
+              </a:ext>
+            </a:extLst>
+          </p:cNvPr>
+          <p:cNvSpPr>
+            <a:spLocks noGrp="1"/>
+          </p:cNvSpPr>
+          <p:nvPr>
+            <p:ph type="title"/>
+          </p:nvPr>
+        </p:nvSpPr>
+        <p:spPr/>
+        <p:txBody>
+          <a:bodyPr/>
+          <a:lstStyle/>
+          <a:p>
+            <a:r>
+              <a:rPr lang="en-US" dirty="0"/>
+              <a:t>Part 3 Writeup</a:t>
+            </a:r>
+          </a:p>
+        </p:txBody>
+      </p:sp>
+      <p:sp>
+        <p:nvSpPr>
+          <p:cNvPr id="3" name="Content Placeholder 2">
+            <a:extLst>
+              <a:ext uri="{FF2B5EF4-FFF2-40B4-BE49-F238E27FC236}">
+                <a16:creationId xmlns:a16="http://schemas.microsoft.com/office/drawing/2014/main" id="{74A8282D-8542-482F-6759-9B8CC6EA78A0}"/>
+              </a:ext>
+            </a:extLst>
+          </p:cNvPr>
+          <p:cNvSpPr>
+            <a:spLocks noGrp="1"/>
+          </p:cNvSpPr>
+          <p:nvPr>
+            <p:ph idx="1"/>
+          </p:nvPr>
+        </p:nvSpPr>
+        <p:spPr/>
+        <p:txBody>
+          <a:bodyPr/>
+          <a:lstStyle/>
+          <a:p>
+            <a:r>
+              <a:rPr lang="en-US" dirty="0"/>
+              <a:t>Will upload input and output files to Moodle</a:t>
+            </a:r>
+          </a:p>
+          <a:p>
+            <a:r>
+              <a:rPr lang="en-US" dirty="0"/>
+              <a:t>Write up with deliverables from Part 1 &amp; 2 &amp; 3, choice of materials, mesh, details therein, etc. </a:t>
+            </a:r>
+          </a:p>
+          <a:p>
+            <a:r>
+              <a:rPr lang="en-US" dirty="0"/>
+              <a:t>Expected to have fixed any issues with Part 1 and Part 2</a:t>
+            </a:r>
+          </a:p>
+          <a:p>
+            <a:r>
+              <a:rPr lang="en-US" dirty="0"/>
+              <a:t>Part 3 writeup max of 10 pages</a:t>
+            </a:r>
+          </a:p>
+          <a:p>
+            <a:endParaRPr lang="en-US" dirty="0"/>
+          </a:p>
+        </p:txBody>
+      </p:sp>
+      <p:sp>
+        <p:nvSpPr>
+          <p:cNvPr id="4" name="Slide Number Placeholder 3">
+            <a:extLst>
+              <a:ext uri="{FF2B5EF4-FFF2-40B4-BE49-F238E27FC236}">
+                <a16:creationId xmlns:a16="http://schemas.microsoft.com/office/drawing/2014/main" id="{52C5A17F-C5D5-F36D-973D-0D2DFE6D40D7}"/>
+              </a:ext>
+            </a:extLst>
+          </p:cNvPr>
+          <p:cNvSpPr>
+            <a:spLocks noGrp="1"/>
+          </p:cNvSpPr>
+          <p:nvPr>
+            <p:ph type="sldNum" sz="quarter" idx="12"/>
+          </p:nvPr>
+        </p:nvSpPr>
+        <p:spPr/>
+        <p:txBody>
+          <a:bodyPr/>
+          <a:lstStyle/>
+          <a:p>
+            <a:pPr marL="0" marR="0" lvl="0" indent="0" algn="r" defTabSz="914400" rtl="0" eaLnBrk="1" fontAlgn="auto" latinLnBrk="0" hangingPunct="1">
+              <a:lnSpc>
+                <a:spcPct val="100000"/>
+              </a:lnSpc>
+              <a:spcBef>
+                <a:spcPts val="0"/>
+              </a:spcBef>
+              <a:spcAft>
+                <a:spcPts val="0"/>
+              </a:spcAft>
+              <a:buClrTx/>
+              <a:buSzTx/>
+              <a:buFontTx/>
+              <a:buNone/>
+              <a:tabLst/>
+              <a:defRPr/>
+            </a:pPr>
+            <a:fld id="{3FF2C605-4958-CF43-AA48-80339EFDB0AF}" type="slidenum">
+              <a:rPr kumimoji="0" lang="en-US" sz="1200" b="0" i="0" u="none" strike="noStrike" kern="1200" cap="none" spc="0" normalizeH="0" baseline="0" noProof="0" smtClean="0">
+                <a:ln>
+                  <a:noFill/>
+                </a:ln>
+                <a:solidFill>
+                  <a:prstClr val="black">
+                    <a:tint val="75000"/>
+                  </a:prstClr>
+                </a:solidFill>
+                <a:effectLst/>
+                <a:uLnTx/>
+                <a:uFillTx/>
+                <a:latin typeface="Calibri"/>
+                <a:ea typeface="+mn-ea"/>
+                <a:cs typeface="+mn-cs"/>
+              </a:rPr>
+              <a:pPr marL="0" marR="0" lvl="0" indent="0" algn="r" defTabSz="914400" rtl="0" eaLnBrk="1" fontAlgn="auto" latinLnBrk="0" hangingPunct="1">
+                <a:lnSpc>
+                  <a:spcPct val="100000"/>
+                </a:lnSpc>
+                <a:spcBef>
+                  <a:spcPts val="0"/>
+                </a:spcBef>
+                <a:spcAft>
+                  <a:spcPts val="0"/>
+                </a:spcAft>
+                <a:buClrTx/>
+                <a:buSzTx/>
+                <a:buFontTx/>
+                <a:buNone/>
+                <a:tabLst/>
+                <a:defRPr/>
+              </a:pPr>
+              <a:t>7</a:t>
+            </a:fld>
+            <a:endParaRPr kumimoji="0" lang="en-US" sz="1200" b="0" i="0" u="none" strike="noStrike" kern="1200" cap="none" spc="0" normalizeH="0" baseline="0" noProof="0">
+              <a:ln>
+                <a:noFill/>
+              </a:ln>
+              <a:solidFill>
+                <a:prstClr val="black">
+                  <a:tint val="75000"/>
+                </a:prstClr>
+              </a:solidFill>
+              <a:effectLst/>
+              <a:uLnTx/>
+              <a:uFillTx/>
+              <a:latin typeface="Calibri"/>
+              <a:ea typeface="+mn-ea"/>
+              <a:cs typeface="+mn-cs"/>
+            </a:endParaRPr>
+          </a:p>
+        </p:txBody>
+      </p:sp>
+    </p:spTree>
+    <p:extLst>
+      <p:ext uri="{BB962C8B-B14F-4D97-AF65-F5344CB8AC3E}">
+        <p14:creationId xmlns:p14="http://schemas.microsoft.com/office/powerpoint/2010/main" val="3704718908"/>
       </p:ext>
     </p:extLst>
   </p:cSld>

--- a/Nuclear_Fuel_Performance/NE533_Spring2024/MOOSE Project/MOOSE Project.pptx
+++ b/Nuclear_Fuel_Performance/NE533_Spring2024/MOOSE Project/MOOSE Project.pptx
@@ -306,7 +306,7 @@
             </a:pPr>
             <a:fld id="{D6F3A803-A045-354B-887A-01433CE46FC2}" type="datetime1">
               <a:rPr lang="en-US" smtClean="0"/>
-              <a:t>1/31/24</a:t>
+              <a:t>2/6/24</a:t>
             </a:fld>
             <a:endParaRPr lang="en-US"/>
           </a:p>
@@ -499,7 +499,7 @@
             </a:pPr>
             <a:fld id="{A8B33C1D-C2E2-1049-AA3F-CD6E91052752}" type="datetime1">
               <a:rPr lang="en-US" smtClean="0"/>
-              <a:t>1/31/24</a:t>
+              <a:t>2/6/24</a:t>
             </a:fld>
             <a:endParaRPr lang="en-US"/>
           </a:p>
@@ -701,7 +701,7 @@
             </a:pPr>
             <a:fld id="{2791AD68-B60C-4542-BDDD-2074DE6DE828}" type="datetime1">
               <a:rPr lang="en-US" smtClean="0"/>
-              <a:t>1/31/24</a:t>
+              <a:t>2/6/24</a:t>
             </a:fld>
             <a:endParaRPr lang="en-US"/>
           </a:p>
@@ -900,7 +900,7 @@
             </a:pPr>
             <a:fld id="{C5BD04BF-9DC2-6341-92B2-BD109A2EF3B1}" type="datetime1">
               <a:rPr lang="en-US" smtClean="0"/>
-              <a:t>1/31/24</a:t>
+              <a:t>2/6/24</a:t>
             </a:fld>
             <a:endParaRPr lang="en-US"/>
           </a:p>
@@ -1170,7 +1170,7 @@
             </a:pPr>
             <a:fld id="{FB0FFBC7-3028-644D-986B-D9855CB74B38}" type="datetime1">
               <a:rPr lang="en-US" smtClean="0"/>
-              <a:t>1/31/24</a:t>
+              <a:t>2/6/24</a:t>
             </a:fld>
             <a:endParaRPr lang="en-US"/>
           </a:p>
@@ -1481,7 +1481,7 @@
             </a:pPr>
             <a:fld id="{2C3B8AE4-01F5-CC42-9C62-61BC6528368B}" type="datetime1">
               <a:rPr lang="en-US" smtClean="0"/>
-              <a:t>1/31/24</a:t>
+              <a:t>2/6/24</a:t>
             </a:fld>
             <a:endParaRPr lang="en-US"/>
           </a:p>
@@ -1924,7 +1924,7 @@
             </a:pPr>
             <a:fld id="{77E49314-4A78-2444-9569-44EB70168344}" type="datetime1">
               <a:rPr lang="en-US" smtClean="0"/>
-              <a:t>1/31/24</a:t>
+              <a:t>2/6/24</a:t>
             </a:fld>
             <a:endParaRPr lang="en-US"/>
           </a:p>
@@ -2065,7 +2065,7 @@
             </a:pPr>
             <a:fld id="{5BC22837-4683-B242-B000-BCEE30621787}" type="datetime1">
               <a:rPr lang="en-US" smtClean="0"/>
-              <a:t>1/31/24</a:t>
+              <a:t>2/6/24</a:t>
             </a:fld>
             <a:endParaRPr lang="en-US"/>
           </a:p>
@@ -2184,7 +2184,7 @@
             </a:pPr>
             <a:fld id="{DCDAE926-7EF1-0B40-B57E-417D188A609C}" type="datetime1">
               <a:rPr lang="en-US" smtClean="0"/>
-              <a:t>1/31/24</a:t>
+              <a:t>2/6/24</a:t>
             </a:fld>
             <a:endParaRPr lang="en-US"/>
           </a:p>
@@ -2483,7 +2483,7 @@
             </a:pPr>
             <a:fld id="{518D107B-B9C7-5B41-A168-55258AB95F52}" type="datetime1">
               <a:rPr lang="en-US" smtClean="0"/>
-              <a:t>1/31/24</a:t>
+              <a:t>2/6/24</a:t>
             </a:fld>
             <a:endParaRPr lang="en-US"/>
           </a:p>
@@ -2767,7 +2767,7 @@
             </a:pPr>
             <a:fld id="{3AD92D36-EE82-3142-B011-9831FB5E702F}" type="datetime1">
               <a:rPr lang="en-US" smtClean="0"/>
-              <a:t>1/31/24</a:t>
+              <a:t>2/6/24</a:t>
             </a:fld>
             <a:endParaRPr lang="en-US"/>
           </a:p>
@@ -2908,7 +2908,7 @@
               </a14:hiddenLine>
             </a:ext>
             <a:ext uri="{FAA26D3D-D897-4be2-8F04-BA451C77F1D7}">
-              <ma14:placeholderFlag xmlns="" xmlns:ma14="http://schemas.microsoft.com/office/mac/drawingml/2011/main" val="1"/>
+              <ma14:placeholderFlag xmlns:ma14="http://schemas.microsoft.com/office/mac/drawingml/2011/main" xmlns="" val="1"/>
             </a:ext>
           </a:extLst>
         </p:spPr>
@@ -2976,7 +2976,7 @@
               </a14:hiddenLine>
             </a:ext>
             <a:ext uri="{FAA26D3D-D897-4be2-8F04-BA451C77F1D7}">
-              <ma14:placeholderFlag xmlns="" xmlns:ma14="http://schemas.microsoft.com/office/mac/drawingml/2011/main" val="1"/>
+              <ma14:placeholderFlag xmlns:ma14="http://schemas.microsoft.com/office/mac/drawingml/2011/main" xmlns="" val="1"/>
             </a:ext>
           </a:extLst>
         </p:spPr>
@@ -3072,7 +3072,7 @@
             </a:pPr>
             <a:fld id="{3EE08B4B-7256-494F-A90D-3891BD685F4A}" type="datetime1">
               <a:rPr lang="en-US" smtClean="0"/>
-              <a:t>1/31/24</a:t>
+              <a:t>2/6/24</a:t>
             </a:fld>
             <a:endParaRPr lang="en-US" dirty="0"/>
           </a:p>
@@ -4749,7 +4749,33 @@
                 <a:ea typeface="+mn-ea"/>
                 <a:cs typeface="+mn-cs"/>
               </a:rPr>
-              <a:t>Transient: LHR = 250*EXP(-((B3-20)^2)/10)+150</a:t>
+              <a:t>Transient: LHR = 250*EXP(-((</a:t>
+            </a:r>
+            <a:r>
+              <a:rPr lang="en-US" dirty="0">
+                <a:solidFill>
+                  <a:prstClr val="black"/>
+                </a:solidFill>
+                <a:latin typeface="Calibri"/>
+              </a:rPr>
+              <a:t>t</a:t>
+            </a:r>
+            <a:r>
+              <a:rPr kumimoji="0" lang="en-US" sz="1800" b="0" i="0" u="none" strike="noStrike" kern="1200" cap="none" spc="0" normalizeH="0" baseline="0" noProof="0" dirty="0">
+                <a:ln>
+                  <a:noFill/>
+                </a:ln>
+                <a:solidFill>
+                  <a:prstClr val="black"/>
+                </a:solidFill>
+                <a:effectLst/>
+                <a:uLnTx/>
+                <a:uFillTx/>
+                <a:latin typeface="Calibri"/>
+                <a:ea typeface="+mn-ea"/>
+                <a:cs typeface="+mn-cs"/>
+              </a:rPr>
+              <a:t>-20)^2)/10)+150</a:t>
             </a:r>
             <a:endParaRPr lang="en-US" dirty="0">
               <a:solidFill>
